--- a/웹서버_스몰과제10_20185135_서주현.pptx
+++ b/웹서버_스몰과제10_20185135_서주현.pptx
@@ -7,19 +7,17 @@
   <p:sldIdLst>
     <p:sldId id="256" r:id="rId2"/>
     <p:sldId id="257" r:id="rId3"/>
-    <p:sldId id="277" r:id="rId4"/>
-    <p:sldId id="276" r:id="rId5"/>
-    <p:sldId id="270" r:id="rId6"/>
-    <p:sldId id="278" r:id="rId7"/>
-    <p:sldId id="268" r:id="rId8"/>
+    <p:sldId id="276" r:id="rId4"/>
+    <p:sldId id="278" r:id="rId5"/>
+    <p:sldId id="268" r:id="rId6"/>
   </p:sldIdLst>
   <p:sldSz cx="12192000" cy="6858000"/>
   <p:notesSz cx="6858000" cy="9144000"/>
   <p:embeddedFontLst>
     <p:embeddedFont>
       <p:font typeface="맑은 고딕" panose="020B0503020000020004" pitchFamily="50" charset="-127"/>
-      <p:regular r:id="rId9"/>
-      <p:bold r:id="rId10"/>
+      <p:regular r:id="rId7"/>
+      <p:bold r:id="rId8"/>
     </p:embeddedFont>
   </p:embeddedFontLst>
   <p:defaultTextStyle>
@@ -3168,19 +3166,7 @@
               <a:rPr lang="en-US" altLang="ko-KR" dirty="0" smtClean="0">
                 <a:latin typeface="+mj-ea"/>
               </a:rPr>
-              <a:t>1(</a:t>
-            </a:r>
-            <a:r>
-              <a:rPr lang="ko-KR" altLang="en-US" dirty="0" smtClean="0">
-                <a:latin typeface="+mj-ea"/>
-              </a:rPr>
-              <a:t>코드</a:t>
-            </a:r>
-            <a:r>
-              <a:rPr lang="en-US" altLang="ko-KR" dirty="0" smtClean="0">
-                <a:latin typeface="+mj-ea"/>
-              </a:rPr>
-              <a:t>)</a:t>
+              <a:t>1</a:t>
             </a:r>
             <a:endParaRPr lang="ko-KR" altLang="en-US" dirty="0">
               <a:latin typeface="+mj-ea"/>
@@ -3190,7 +3176,7 @@
       </p:sp>
       <p:pic>
         <p:nvPicPr>
-          <p:cNvPr id="3" name="그림 2"/>
+          <p:cNvPr id="4" name="그림 3"/>
           <p:cNvPicPr>
             <a:picLocks noChangeAspect="1"/>
           </p:cNvPicPr>
@@ -3204,14 +3190,119 @@
         </p:blipFill>
         <p:spPr>
           <a:xfrm>
-            <a:off x="3386085" y="1426551"/>
-            <a:ext cx="4686300" cy="4638675"/>
+            <a:off x="838200" y="4003248"/>
+            <a:ext cx="3561586" cy="2560162"/>
           </a:xfrm>
           <a:prstGeom prst="rect">
             <a:avLst/>
           </a:prstGeom>
         </p:spPr>
       </p:pic>
+      <p:pic>
+        <p:nvPicPr>
+          <p:cNvPr id="5" name="그림 4"/>
+          <p:cNvPicPr>
+            <a:picLocks noChangeAspect="1"/>
+          </p:cNvPicPr>
+          <p:nvPr/>
+        </p:nvPicPr>
+        <p:blipFill>
+          <a:blip r:embed="rId3"/>
+          <a:stretch>
+            <a:fillRect/>
+          </a:stretch>
+        </p:blipFill>
+        <p:spPr>
+          <a:xfrm>
+            <a:off x="838200" y="1137924"/>
+            <a:ext cx="4392050" cy="2865324"/>
+          </a:xfrm>
+          <a:prstGeom prst="rect">
+            <a:avLst/>
+          </a:prstGeom>
+        </p:spPr>
+      </p:pic>
+      <p:pic>
+        <p:nvPicPr>
+          <p:cNvPr id="6" name="그림 5"/>
+          <p:cNvPicPr>
+            <a:picLocks noChangeAspect="1"/>
+          </p:cNvPicPr>
+          <p:nvPr/>
+        </p:nvPicPr>
+        <p:blipFill>
+          <a:blip r:embed="rId4"/>
+          <a:stretch>
+            <a:fillRect/>
+          </a:stretch>
+        </p:blipFill>
+        <p:spPr>
+          <a:xfrm>
+            <a:off x="5525085" y="2071074"/>
+            <a:ext cx="6449325" cy="2848373"/>
+          </a:xfrm>
+          <a:prstGeom prst="rect">
+            <a:avLst/>
+          </a:prstGeom>
+        </p:spPr>
+      </p:pic>
+      <p:sp>
+        <p:nvSpPr>
+          <p:cNvPr id="7" name="TextBox 6"/>
+          <p:cNvSpPr txBox="1"/>
+          <p:nvPr/>
+        </p:nvSpPr>
+        <p:spPr>
+          <a:xfrm>
+            <a:off x="7657938" y="4919447"/>
+            <a:ext cx="1595309" cy="369332"/>
+          </a:xfrm>
+          <a:prstGeom prst="rect">
+            <a:avLst/>
+          </a:prstGeom>
+          <a:noFill/>
+        </p:spPr>
+        <p:txBody>
+          <a:bodyPr wrap="none" rtlCol="0">
+            <a:spAutoFit/>
+          </a:bodyPr>
+          <a:lstStyle/>
+          <a:p>
+            <a:r>
+              <a:rPr lang="en-US" altLang="ko-KR" dirty="0" smtClean="0">
+                <a:latin typeface="+mj-ea"/>
+                <a:ea typeface="+mj-ea"/>
+              </a:rPr>
+              <a:t>&lt; </a:t>
+            </a:r>
+            <a:r>
+              <a:rPr lang="ko-KR" altLang="en-US" dirty="0" smtClean="0">
+                <a:latin typeface="+mj-ea"/>
+                <a:ea typeface="+mj-ea"/>
+              </a:rPr>
+              <a:t>실행 </a:t>
+            </a:r>
+            <a:r>
+              <a:rPr lang="ko-KR" altLang="en-US" dirty="0" smtClean="0">
+                <a:latin typeface="+mj-ea"/>
+                <a:ea typeface="+mj-ea"/>
+              </a:rPr>
+              <a:t>화면</a:t>
+            </a:r>
+            <a:r>
+              <a:rPr lang="en-US" altLang="ko-KR" dirty="0" smtClean="0">
+                <a:latin typeface="+mj-ea"/>
+                <a:ea typeface="+mj-ea"/>
+              </a:rPr>
+              <a:t>&gt;</a:t>
+            </a:r>
+            <a:endParaRPr lang="ko-KR" altLang="en-US" dirty="0">
+              <a:latin typeface="+mj-ea"/>
+              <a:ea typeface="+mj-ea"/>
+            </a:endParaRPr>
+          </a:p>
+        </p:txBody>
+      </p:sp>
     </p:spTree>
     <p:extLst>
       <p:ext uri="{BB962C8B-B14F-4D97-AF65-F5344CB8AC3E}">
@@ -3279,13 +3370,13 @@
               <a:rPr lang="en-US" altLang="ko-KR" dirty="0" smtClean="0">
                 <a:latin typeface="+mj-ea"/>
               </a:rPr>
-              <a:t>1(</a:t>
+              <a:t>2(</a:t>
             </a:r>
             <a:r>
               <a:rPr lang="ko-KR" altLang="en-US" dirty="0" smtClean="0">
                 <a:latin typeface="+mj-ea"/>
               </a:rPr>
-              <a:t>실행화면</a:t>
+              <a:t>코드</a:t>
             </a:r>
             <a:r>
               <a:rPr lang="en-US" altLang="ko-KR" dirty="0" smtClean="0">
@@ -3299,155 +3390,24 @@
           </a:p>
         </p:txBody>
       </p:sp>
-      <p:sp>
-        <p:nvSpPr>
-          <p:cNvPr id="10" name="TextBox 9"/>
-          <p:cNvSpPr txBox="1"/>
-          <p:nvPr/>
-        </p:nvSpPr>
-        <p:spPr>
-          <a:xfrm>
-            <a:off x="2979920" y="3275761"/>
-            <a:ext cx="2600392" cy="369332"/>
-          </a:xfrm>
-          <a:prstGeom prst="rect">
-            <a:avLst/>
-          </a:prstGeom>
-          <a:noFill/>
-        </p:spPr>
-        <p:txBody>
-          <a:bodyPr wrap="none" rtlCol="0">
-            <a:spAutoFit/>
-          </a:bodyPr>
-          <a:lstStyle/>
-          <a:p>
-            <a:r>
-              <a:rPr lang="en-US" altLang="ko-KR" dirty="0" smtClean="0">
-                <a:latin typeface="+mj-ea"/>
-                <a:ea typeface="+mj-ea"/>
-              </a:rPr>
-              <a:t>&lt; </a:t>
-            </a:r>
-            <a:r>
-              <a:rPr lang="ko-KR" altLang="en-US" dirty="0" err="1" smtClean="0">
-                <a:latin typeface="+mj-ea"/>
-                <a:ea typeface="+mj-ea"/>
-              </a:rPr>
-              <a:t>데스크탑</a:t>
-            </a:r>
-            <a:r>
-              <a:rPr lang="ko-KR" altLang="en-US" dirty="0" smtClean="0">
-                <a:latin typeface="+mj-ea"/>
-                <a:ea typeface="+mj-ea"/>
-              </a:rPr>
-              <a:t> 전체 화면</a:t>
-            </a:r>
-            <a:r>
-              <a:rPr lang="en-US" altLang="ko-KR" dirty="0" smtClean="0">
-                <a:latin typeface="+mj-ea"/>
-                <a:ea typeface="+mj-ea"/>
-              </a:rPr>
-              <a:t>&gt;</a:t>
-            </a:r>
-            <a:endParaRPr lang="ko-KR" altLang="en-US" dirty="0">
-              <a:latin typeface="+mj-ea"/>
-              <a:ea typeface="+mj-ea"/>
-            </a:endParaRPr>
-          </a:p>
-        </p:txBody>
-      </p:sp>
-      <p:sp>
-        <p:nvSpPr>
-          <p:cNvPr id="9" name="TextBox 8"/>
-          <p:cNvSpPr txBox="1"/>
-          <p:nvPr/>
-        </p:nvSpPr>
-        <p:spPr>
-          <a:xfrm>
-            <a:off x="7470323" y="5790571"/>
-            <a:ext cx="3605474" cy="369332"/>
-          </a:xfrm>
-          <a:prstGeom prst="rect">
-            <a:avLst/>
-          </a:prstGeom>
-          <a:noFill/>
-        </p:spPr>
-        <p:txBody>
-          <a:bodyPr wrap="none" rtlCol="0">
-            <a:spAutoFit/>
-          </a:bodyPr>
-          <a:lstStyle/>
-          <a:p>
-            <a:r>
-              <a:rPr lang="en-US" altLang="ko-KR" dirty="0">
-                <a:latin typeface="+mj-ea"/>
-              </a:rPr>
-              <a:t>&lt; </a:t>
-            </a:r>
-            <a:r>
-              <a:rPr lang="ko-KR" altLang="en-US" dirty="0" smtClean="0">
-                <a:latin typeface="+mj-ea"/>
-              </a:rPr>
-              <a:t>최소크기로 </a:t>
-            </a:r>
-            <a:r>
-              <a:rPr lang="ko-KR" altLang="en-US" dirty="0">
-                <a:latin typeface="+mj-ea"/>
-              </a:rPr>
-              <a:t>사이즈 조절 화면</a:t>
-            </a:r>
-            <a:r>
-              <a:rPr lang="en-US" altLang="ko-KR" dirty="0">
-                <a:latin typeface="+mj-ea"/>
-              </a:rPr>
-              <a:t>&gt;</a:t>
-            </a:r>
-            <a:endParaRPr lang="ko-KR" altLang="en-US" dirty="0">
-              <a:latin typeface="+mj-ea"/>
-            </a:endParaRPr>
-          </a:p>
-        </p:txBody>
-      </p:sp>
       <p:pic>
         <p:nvPicPr>
-          <p:cNvPr id="5" name="그림 4"/>
+          <p:cNvPr id="3" name="그림 2"/>
           <p:cNvPicPr>
             <a:picLocks noChangeAspect="1"/>
           </p:cNvPicPr>
           <p:nvPr/>
         </p:nvPicPr>
-        <p:blipFill rotWithShape="1">
+        <p:blipFill>
           <a:blip r:embed="rId2"/>
-          <a:srcRect t="204" r="4692" b="1"/>
-          <a:stretch/>
+          <a:stretch>
+            <a:fillRect/>
+          </a:stretch>
         </p:blipFill>
         <p:spPr>
           <a:xfrm>
-            <a:off x="377600" y="1322195"/>
-            <a:ext cx="5929981" cy="1903325"/>
-          </a:xfrm>
-          <a:prstGeom prst="rect">
-            <a:avLst/>
-          </a:prstGeom>
-        </p:spPr>
-      </p:pic>
-      <p:pic>
-        <p:nvPicPr>
-          <p:cNvPr id="6" name="그림 5"/>
-          <p:cNvPicPr>
-            <a:picLocks noChangeAspect="1"/>
-          </p:cNvPicPr>
-          <p:nvPr/>
-        </p:nvPicPr>
-        <p:blipFill rotWithShape="1">
-          <a:blip r:embed="rId3"/>
-          <a:srcRect r="3614"/>
-          <a:stretch/>
-        </p:blipFill>
-        <p:spPr>
-          <a:xfrm>
-            <a:off x="2252652" y="3774003"/>
-            <a:ext cx="4054929" cy="2534059"/>
+            <a:off x="170540" y="1878495"/>
+            <a:ext cx="4437609" cy="2633870"/>
           </a:xfrm>
           <a:prstGeom prst="rect">
             <a:avLst/>
@@ -3463,6 +3423,30 @@
           <p:nvPr/>
         </p:nvPicPr>
         <p:blipFill>
+          <a:blip r:embed="rId3"/>
+          <a:stretch>
+            <a:fillRect/>
+          </a:stretch>
+        </p:blipFill>
+        <p:spPr>
+          <a:xfrm>
+            <a:off x="4608149" y="1878495"/>
+            <a:ext cx="2594408" cy="4395132"/>
+          </a:xfrm>
+          <a:prstGeom prst="rect">
+            <a:avLst/>
+          </a:prstGeom>
+        </p:spPr>
+      </p:pic>
+      <p:pic>
+        <p:nvPicPr>
+          <p:cNvPr id="5" name="그림 4"/>
+          <p:cNvPicPr>
+            <a:picLocks noChangeAspect="1"/>
+          </p:cNvPicPr>
+          <p:nvPr/>
+        </p:nvPicPr>
+        <p:blipFill>
           <a:blip r:embed="rId4"/>
           <a:stretch>
             <a:fillRect/>
@@ -3470,68 +3454,18 @@
         </p:blipFill>
         <p:spPr>
           <a:xfrm>
-            <a:off x="7694343" y="1858499"/>
-            <a:ext cx="3157434" cy="3810263"/>
+            <a:off x="7202557" y="1878495"/>
+            <a:ext cx="4694138" cy="3694044"/>
           </a:xfrm>
           <a:prstGeom prst="rect">
             <a:avLst/>
           </a:prstGeom>
         </p:spPr>
       </p:pic>
-      <p:sp>
-        <p:nvSpPr>
-          <p:cNvPr id="11" name="TextBox 10"/>
-          <p:cNvSpPr txBox="1"/>
-          <p:nvPr/>
-        </p:nvSpPr>
-        <p:spPr>
-          <a:xfrm>
-            <a:off x="2477379" y="6302547"/>
-            <a:ext cx="3605474" cy="369332"/>
-          </a:xfrm>
-          <a:prstGeom prst="rect">
-            <a:avLst/>
-          </a:prstGeom>
-          <a:noFill/>
-        </p:spPr>
-        <p:txBody>
-          <a:bodyPr wrap="none" rtlCol="0">
-            <a:spAutoFit/>
-          </a:bodyPr>
-          <a:lstStyle/>
-          <a:p>
-            <a:r>
-              <a:rPr lang="en-US" altLang="ko-KR" dirty="0" smtClean="0">
-                <a:latin typeface="+mj-ea"/>
-                <a:ea typeface="+mj-ea"/>
-              </a:rPr>
-              <a:t>&lt; </a:t>
-            </a:r>
-            <a:r>
-              <a:rPr lang="ko-KR" altLang="en-US" dirty="0" smtClean="0">
-                <a:latin typeface="+mj-ea"/>
-                <a:ea typeface="+mj-ea"/>
-              </a:rPr>
-              <a:t>중간크기로 사이즈 조절 화면</a:t>
-            </a:r>
-            <a:r>
-              <a:rPr lang="en-US" altLang="ko-KR" dirty="0" smtClean="0">
-                <a:latin typeface="+mj-ea"/>
-                <a:ea typeface="+mj-ea"/>
-              </a:rPr>
-              <a:t>&gt;</a:t>
-            </a:r>
-            <a:endParaRPr lang="ko-KR" altLang="en-US" dirty="0">
-              <a:latin typeface="+mj-ea"/>
-              <a:ea typeface="+mj-ea"/>
-            </a:endParaRPr>
-          </a:p>
-        </p:txBody>
-      </p:sp>
     </p:spTree>
     <p:extLst>
       <p:ext uri="{BB962C8B-B14F-4D97-AF65-F5344CB8AC3E}">
-        <p14:creationId xmlns:p14="http://schemas.microsoft.com/office/powerpoint/2010/main" val="3940947780"/>
+        <p14:creationId xmlns:p14="http://schemas.microsoft.com/office/powerpoint/2010/main" val="2186834257"/>
       </p:ext>
     </p:extLst>
   </p:cSld>
@@ -3577,7 +3511,7 @@
         </p:nvSpPr>
         <p:spPr>
           <a:xfrm>
-            <a:off x="838200" y="369607"/>
+            <a:off x="883710" y="369607"/>
             <a:ext cx="10515600" cy="849593"/>
           </a:xfrm>
         </p:spPr>
@@ -3592,10 +3526,22 @@
               <a:t>문제 </a:t>
             </a:r>
             <a:r>
-              <a:rPr lang="en-US" altLang="ko-KR" dirty="0">
+              <a:rPr lang="en-US" altLang="ko-KR" dirty="0" smtClean="0">
                 <a:latin typeface="+mj-ea"/>
               </a:rPr>
-              <a:t>2</a:t>
+              <a:t>2(</a:t>
+            </a:r>
+            <a:r>
+              <a:rPr lang="ko-KR" altLang="en-US" dirty="0" smtClean="0">
+                <a:latin typeface="+mj-ea"/>
+              </a:rPr>
+              <a:t>실행화면</a:t>
+            </a:r>
+            <a:r>
+              <a:rPr lang="en-US" altLang="ko-KR" dirty="0" smtClean="0">
+                <a:latin typeface="+mj-ea"/>
+              </a:rPr>
+              <a:t>)</a:t>
             </a:r>
             <a:endParaRPr lang="ko-KR" altLang="en-US" dirty="0">
               <a:latin typeface="+mj-ea"/>
@@ -3605,13 +3551,13 @@
       </p:sp>
       <p:sp>
         <p:nvSpPr>
-          <p:cNvPr id="10" name="TextBox 9"/>
+          <p:cNvPr id="7" name="TextBox 6"/>
           <p:cNvSpPr txBox="1"/>
           <p:nvPr/>
         </p:nvSpPr>
         <p:spPr>
           <a:xfrm>
-            <a:off x="8249935" y="2451893"/>
+            <a:off x="2133943" y="5075426"/>
             <a:ext cx="2138727" cy="369332"/>
           </a:xfrm>
           <a:prstGeom prst="rect">
@@ -3637,7 +3583,28 @@
                 <a:latin typeface="+mj-ea"/>
                 <a:ea typeface="+mj-ea"/>
               </a:rPr>
-              <a:t>가로 실행 화면</a:t>
+              <a:t>처음 실</a:t>
+            </a:r>
+            <a:r>
+              <a:rPr lang="ko-KR" altLang="en-US" dirty="0" smtClean="0">
+                <a:latin typeface="+mj-ea"/>
+                <a:ea typeface="+mj-ea"/>
+              </a:rPr>
+              <a:t>행</a:t>
+            </a:r>
+            <a:r>
+              <a:rPr lang="en-US" altLang="ko-KR" dirty="0" smtClean="0">
+                <a:latin typeface="+mj-ea"/>
+                <a:ea typeface="+mj-ea"/>
+              </a:rPr>
+              <a:t> </a:t>
+            </a:r>
+            <a:r>
+              <a:rPr lang="ko-KR" altLang="en-US" dirty="0" smtClean="0">
+                <a:latin typeface="+mj-ea"/>
+                <a:ea typeface="+mj-ea"/>
+              </a:rPr>
+              <a:t>화면</a:t>
             </a:r>
             <a:r>
               <a:rPr lang="en-US" altLang="ko-KR" dirty="0" smtClean="0">
@@ -3655,14 +3622,14 @@
       </p:sp>
       <p:sp>
         <p:nvSpPr>
-          <p:cNvPr id="11" name="TextBox 10"/>
+          <p:cNvPr id="8" name="TextBox 7"/>
           <p:cNvSpPr txBox="1"/>
           <p:nvPr/>
         </p:nvSpPr>
         <p:spPr>
           <a:xfrm>
-            <a:off x="8385586" y="6323367"/>
-            <a:ext cx="2138727" cy="369332"/>
+            <a:off x="7359599" y="5297981"/>
+            <a:ext cx="2369559" cy="369332"/>
           </a:xfrm>
           <a:prstGeom prst="rect">
             <a:avLst/>
@@ -3687,7 +3654,21 @@
                 <a:latin typeface="+mj-ea"/>
                 <a:ea typeface="+mj-ea"/>
               </a:rPr>
-              <a:t>세로 실행 화면</a:t>
+              <a:t>입력완료 후</a:t>
+            </a:r>
+            <a:r>
+              <a:rPr lang="en-US" altLang="ko-KR" dirty="0" smtClean="0">
+                <a:latin typeface="+mj-ea"/>
+                <a:ea typeface="+mj-ea"/>
+              </a:rPr>
+              <a:t> </a:t>
+            </a:r>
+            <a:r>
+              <a:rPr lang="ko-KR" altLang="en-US" dirty="0" smtClean="0">
+                <a:latin typeface="+mj-ea"/>
+                <a:ea typeface="+mj-ea"/>
+              </a:rPr>
+              <a:t>화면</a:t>
             </a:r>
             <a:r>
               <a:rPr lang="en-US" altLang="ko-KR" dirty="0" smtClean="0">
@@ -3705,7 +3686,7 @@
       </p:sp>
       <p:pic>
         <p:nvPicPr>
-          <p:cNvPr id="6" name="그림 5"/>
+          <p:cNvPr id="3" name="그림 2"/>
           <p:cNvPicPr>
             <a:picLocks noChangeAspect="1"/>
           </p:cNvPicPr>
@@ -3719,8 +3700,8 @@
         </p:blipFill>
         <p:spPr>
           <a:xfrm>
-            <a:off x="306161" y="1476506"/>
-            <a:ext cx="6550098" cy="4009894"/>
+            <a:off x="1383782" y="2874768"/>
+            <a:ext cx="3467584" cy="1790950"/>
           </a:xfrm>
           <a:prstGeom prst="rect">
             <a:avLst/>
@@ -3729,7 +3710,7 @@
       </p:pic>
       <p:pic>
         <p:nvPicPr>
-          <p:cNvPr id="7" name="그림 6"/>
+          <p:cNvPr id="4" name="그림 3"/>
           <p:cNvPicPr>
             <a:picLocks noChangeAspect="1"/>
           </p:cNvPicPr>
@@ -3743,513 +3724,8 @@
         </p:blipFill>
         <p:spPr>
           <a:xfrm>
-            <a:off x="7212152" y="586154"/>
-            <a:ext cx="4485596" cy="1899348"/>
-          </a:xfrm>
-          <a:prstGeom prst="rect">
-            <a:avLst/>
-          </a:prstGeom>
-        </p:spPr>
-      </p:pic>
-      <p:pic>
-        <p:nvPicPr>
-          <p:cNvPr id="8" name="그림 7"/>
-          <p:cNvPicPr>
-            <a:picLocks noChangeAspect="1"/>
-          </p:cNvPicPr>
-          <p:nvPr/>
-        </p:nvPicPr>
-        <p:blipFill rotWithShape="1">
-          <a:blip r:embed="rId4"/>
-          <a:srcRect r="7601"/>
-          <a:stretch/>
-        </p:blipFill>
-        <p:spPr>
-          <a:xfrm>
-            <a:off x="8372315" y="3279554"/>
-            <a:ext cx="2165267" cy="3043813"/>
-          </a:xfrm>
-          <a:prstGeom prst="rect">
-            <a:avLst/>
-          </a:prstGeom>
-        </p:spPr>
-      </p:pic>
-    </p:spTree>
-    <p:extLst>
-      <p:ext uri="{BB962C8B-B14F-4D97-AF65-F5344CB8AC3E}">
-        <p14:creationId xmlns:p14="http://schemas.microsoft.com/office/powerpoint/2010/main" val="2186834257"/>
-      </p:ext>
-    </p:extLst>
-  </p:cSld>
-  <p:clrMapOvr>
-    <a:masterClrMapping/>
-  </p:clrMapOvr>
-  <p:timing>
-    <p:tnLst>
-      <p:par>
-        <p:cTn id="1" dur="indefinite" restart="never" nodeType="tmRoot"/>
-      </p:par>
-    </p:tnLst>
-  </p:timing>
-</p:sld>
-</file>
-
-<file path=ppt/slides/slide5.xml><?xml version="1.0" encoding="utf-8"?>
-<p:sld xmlns:a="http://schemas.openxmlformats.org/drawingml/2006/main" xmlns:r="http://schemas.openxmlformats.org/officeDocument/2006/relationships" xmlns:p="http://schemas.openxmlformats.org/presentationml/2006/main">
-  <p:cSld>
-    <p:spTree>
-      <p:nvGrpSpPr>
-        <p:cNvPr id="1" name=""/>
-        <p:cNvGrpSpPr/>
-        <p:nvPr/>
-      </p:nvGrpSpPr>
-      <p:grpSpPr>
-        <a:xfrm>
-          <a:off x="0" y="0"/>
-          <a:ext cx="0" cy="0"/>
-          <a:chOff x="0" y="0"/>
-          <a:chExt cx="0" cy="0"/>
-        </a:xfrm>
-      </p:grpSpPr>
-      <p:sp>
-        <p:nvSpPr>
-          <p:cNvPr id="2" name="제목 1"/>
-          <p:cNvSpPr>
-            <a:spLocks noGrp="1"/>
-          </p:cNvSpPr>
-          <p:nvPr>
-            <p:ph type="title"/>
-          </p:nvPr>
-        </p:nvSpPr>
-        <p:spPr>
-          <a:xfrm>
-            <a:off x="883710" y="369607"/>
-            <a:ext cx="10515600" cy="849593"/>
-          </a:xfrm>
-        </p:spPr>
-        <p:txBody>
-          <a:bodyPr/>
-          <a:lstStyle/>
-          <a:p>
-            <a:r>
-              <a:rPr lang="ko-KR" altLang="en-US" dirty="0" smtClean="0">
-                <a:latin typeface="+mj-ea"/>
-              </a:rPr>
-              <a:t>문제 </a:t>
-            </a:r>
-            <a:r>
-              <a:rPr lang="en-US" altLang="ko-KR" dirty="0" smtClean="0">
-                <a:latin typeface="+mj-ea"/>
-              </a:rPr>
-              <a:t>3(</a:t>
-            </a:r>
-            <a:r>
-              <a:rPr lang="ko-KR" altLang="en-US" dirty="0" smtClean="0">
-                <a:latin typeface="+mj-ea"/>
-              </a:rPr>
-              <a:t>코드</a:t>
-            </a:r>
-            <a:r>
-              <a:rPr lang="en-US" altLang="ko-KR" dirty="0" smtClean="0">
-                <a:latin typeface="+mj-ea"/>
-              </a:rPr>
-              <a:t>)</a:t>
-            </a:r>
-            <a:endParaRPr lang="ko-KR" altLang="en-US" dirty="0">
-              <a:latin typeface="+mj-ea"/>
-            </a:endParaRPr>
-          </a:p>
-        </p:txBody>
-      </p:sp>
-      <p:pic>
-        <p:nvPicPr>
-          <p:cNvPr id="9" name="그림 8"/>
-          <p:cNvPicPr>
-            <a:picLocks noChangeAspect="1"/>
-          </p:cNvPicPr>
-          <p:nvPr/>
-        </p:nvPicPr>
-        <p:blipFill>
-          <a:blip r:embed="rId2"/>
-          <a:stretch>
-            <a:fillRect/>
-          </a:stretch>
-        </p:blipFill>
-        <p:spPr>
-          <a:xfrm>
-            <a:off x="169649" y="1431647"/>
-            <a:ext cx="5971861" cy="4949056"/>
-          </a:xfrm>
-          <a:prstGeom prst="rect">
-            <a:avLst/>
-          </a:prstGeom>
-        </p:spPr>
-      </p:pic>
-      <p:pic>
-        <p:nvPicPr>
-          <p:cNvPr id="10" name="그림 9"/>
-          <p:cNvPicPr>
-            <a:picLocks noChangeAspect="1"/>
-          </p:cNvPicPr>
-          <p:nvPr/>
-        </p:nvPicPr>
-        <p:blipFill>
-          <a:blip r:embed="rId3"/>
-          <a:stretch>
-            <a:fillRect/>
-          </a:stretch>
-        </p:blipFill>
-        <p:spPr>
-          <a:xfrm>
-            <a:off x="6305341" y="2363763"/>
-            <a:ext cx="5740958" cy="2882423"/>
-          </a:xfrm>
-          <a:prstGeom prst="rect">
-            <a:avLst/>
-          </a:prstGeom>
-        </p:spPr>
-      </p:pic>
-      <p:sp>
-        <p:nvSpPr>
-          <p:cNvPr id="11" name="TextBox 10"/>
-          <p:cNvSpPr txBox="1"/>
-          <p:nvPr/>
-        </p:nvSpPr>
-        <p:spPr>
-          <a:xfrm>
-            <a:off x="5365702" y="1513286"/>
-            <a:ext cx="452368" cy="369332"/>
-          </a:xfrm>
-          <a:prstGeom prst="rect">
-            <a:avLst/>
-          </a:prstGeom>
-          <a:noFill/>
-        </p:spPr>
-        <p:txBody>
-          <a:bodyPr wrap="none" rtlCol="0">
-            <a:spAutoFit/>
-          </a:bodyPr>
-          <a:lstStyle/>
-          <a:p>
-            <a:r>
-              <a:rPr lang="en-US" altLang="ko-KR" dirty="0" smtClean="0">
-                <a:solidFill>
-                  <a:schemeClr val="bg1"/>
-                </a:solidFill>
-                <a:latin typeface="+mj-ea"/>
-                <a:ea typeface="+mj-ea"/>
-              </a:rPr>
-              <a:t>(1)</a:t>
-            </a:r>
-            <a:endParaRPr lang="ko-KR" altLang="en-US" dirty="0">
-              <a:solidFill>
-                <a:schemeClr val="bg1"/>
-              </a:solidFill>
-              <a:latin typeface="+mj-ea"/>
-              <a:ea typeface="+mj-ea"/>
-            </a:endParaRPr>
-          </a:p>
-        </p:txBody>
-      </p:sp>
-      <p:sp>
-        <p:nvSpPr>
-          <p:cNvPr id="12" name="TextBox 11"/>
-          <p:cNvSpPr txBox="1"/>
-          <p:nvPr/>
-        </p:nvSpPr>
-        <p:spPr>
-          <a:xfrm>
-            <a:off x="11399310" y="2454482"/>
-            <a:ext cx="452368" cy="369332"/>
-          </a:xfrm>
-          <a:prstGeom prst="rect">
-            <a:avLst/>
-          </a:prstGeom>
-          <a:noFill/>
-        </p:spPr>
-        <p:txBody>
-          <a:bodyPr wrap="none" rtlCol="0">
-            <a:spAutoFit/>
-          </a:bodyPr>
-          <a:lstStyle/>
-          <a:p>
-            <a:r>
-              <a:rPr lang="en-US" altLang="ko-KR" dirty="0" smtClean="0">
-                <a:solidFill>
-                  <a:schemeClr val="bg1"/>
-                </a:solidFill>
-                <a:latin typeface="+mj-ea"/>
-                <a:ea typeface="+mj-ea"/>
-              </a:rPr>
-              <a:t>(2)</a:t>
-            </a:r>
-            <a:endParaRPr lang="ko-KR" altLang="en-US" dirty="0">
-              <a:solidFill>
-                <a:schemeClr val="bg1"/>
-              </a:solidFill>
-              <a:latin typeface="+mj-ea"/>
-              <a:ea typeface="+mj-ea"/>
-            </a:endParaRPr>
-          </a:p>
-        </p:txBody>
-      </p:sp>
-    </p:spTree>
-    <p:extLst>
-      <p:ext uri="{BB962C8B-B14F-4D97-AF65-F5344CB8AC3E}">
-        <p14:creationId xmlns:p14="http://schemas.microsoft.com/office/powerpoint/2010/main" val="391439588"/>
-      </p:ext>
-    </p:extLst>
-  </p:cSld>
-  <p:clrMapOvr>
-    <a:masterClrMapping/>
-  </p:clrMapOvr>
-  <p:timing>
-    <p:tnLst>
-      <p:par>
-        <p:cTn id="1" dur="indefinite" restart="never" nodeType="tmRoot"/>
-      </p:par>
-    </p:tnLst>
-  </p:timing>
-</p:sld>
-</file>
-
-<file path=ppt/slides/slide6.xml><?xml version="1.0" encoding="utf-8"?>
-<p:sld xmlns:a="http://schemas.openxmlformats.org/drawingml/2006/main" xmlns:r="http://schemas.openxmlformats.org/officeDocument/2006/relationships" xmlns:p="http://schemas.openxmlformats.org/presentationml/2006/main">
-  <p:cSld>
-    <p:spTree>
-      <p:nvGrpSpPr>
-        <p:cNvPr id="1" name=""/>
-        <p:cNvGrpSpPr/>
-        <p:nvPr/>
-      </p:nvGrpSpPr>
-      <p:grpSpPr>
-        <a:xfrm>
-          <a:off x="0" y="0"/>
-          <a:ext cx="0" cy="0"/>
-          <a:chOff x="0" y="0"/>
-          <a:chExt cx="0" cy="0"/>
-        </a:xfrm>
-      </p:grpSpPr>
-      <p:sp>
-        <p:nvSpPr>
-          <p:cNvPr id="2" name="제목 1"/>
-          <p:cNvSpPr>
-            <a:spLocks noGrp="1"/>
-          </p:cNvSpPr>
-          <p:nvPr>
-            <p:ph type="title"/>
-          </p:nvPr>
-        </p:nvSpPr>
-        <p:spPr>
-          <a:xfrm>
-            <a:off x="883710" y="369607"/>
-            <a:ext cx="10515600" cy="849593"/>
-          </a:xfrm>
-        </p:spPr>
-        <p:txBody>
-          <a:bodyPr/>
-          <a:lstStyle/>
-          <a:p>
-            <a:r>
-              <a:rPr lang="ko-KR" altLang="en-US" dirty="0" smtClean="0">
-                <a:latin typeface="+mj-ea"/>
-              </a:rPr>
-              <a:t>문제 </a:t>
-            </a:r>
-            <a:r>
-              <a:rPr lang="en-US" altLang="ko-KR" dirty="0" smtClean="0">
-                <a:latin typeface="+mj-ea"/>
-              </a:rPr>
-              <a:t>3(</a:t>
-            </a:r>
-            <a:r>
-              <a:rPr lang="ko-KR" altLang="en-US" dirty="0" smtClean="0">
-                <a:latin typeface="+mj-ea"/>
-              </a:rPr>
-              <a:t>실행화면</a:t>
-            </a:r>
-            <a:r>
-              <a:rPr lang="en-US" altLang="ko-KR" dirty="0" smtClean="0">
-                <a:latin typeface="+mj-ea"/>
-              </a:rPr>
-              <a:t>)</a:t>
-            </a:r>
-            <a:endParaRPr lang="ko-KR" altLang="en-US" dirty="0">
-              <a:latin typeface="+mj-ea"/>
-            </a:endParaRPr>
-          </a:p>
-        </p:txBody>
-      </p:sp>
-      <p:sp>
-        <p:nvSpPr>
-          <p:cNvPr id="7" name="TextBox 6"/>
-          <p:cNvSpPr txBox="1"/>
-          <p:nvPr/>
-        </p:nvSpPr>
-        <p:spPr>
-          <a:xfrm>
-            <a:off x="2133943" y="5075426"/>
-            <a:ext cx="2056973" cy="369332"/>
-          </a:xfrm>
-          <a:prstGeom prst="rect">
-            <a:avLst/>
-          </a:prstGeom>
-          <a:noFill/>
-        </p:spPr>
-        <p:txBody>
-          <a:bodyPr wrap="none" rtlCol="0">
-            <a:spAutoFit/>
-          </a:bodyPr>
-          <a:lstStyle/>
-          <a:p>
-            <a:r>
-              <a:rPr lang="en-US" altLang="ko-KR" dirty="0" smtClean="0">
-                <a:latin typeface="+mj-ea"/>
-                <a:ea typeface="+mj-ea"/>
-              </a:rPr>
-              <a:t>&lt; </a:t>
-            </a:r>
-            <a:r>
-              <a:rPr lang="ko-KR" altLang="en-US" dirty="0" err="1" smtClean="0">
-                <a:latin typeface="+mj-ea"/>
-                <a:ea typeface="+mj-ea"/>
-              </a:rPr>
-              <a:t>데스크탑</a:t>
-            </a:r>
-            <a:r>
-              <a:rPr lang="en-US" altLang="ko-KR" dirty="0" smtClean="0">
-                <a:latin typeface="+mj-ea"/>
-                <a:ea typeface="+mj-ea"/>
-              </a:rPr>
-              <a:t> </a:t>
-            </a:r>
-            <a:r>
-              <a:rPr lang="ko-KR" altLang="en-US" dirty="0" smtClean="0">
-                <a:latin typeface="+mj-ea"/>
-                <a:ea typeface="+mj-ea"/>
-              </a:rPr>
-              <a:t>화면</a:t>
-            </a:r>
-            <a:r>
-              <a:rPr lang="en-US" altLang="ko-KR" dirty="0" smtClean="0">
-                <a:latin typeface="+mj-ea"/>
-                <a:ea typeface="+mj-ea"/>
-              </a:rPr>
-              <a:t>&gt;</a:t>
-            </a:r>
-            <a:endParaRPr lang="ko-KR" altLang="en-US" dirty="0">
-              <a:latin typeface="+mj-ea"/>
-              <a:ea typeface="+mj-ea"/>
-            </a:endParaRPr>
-          </a:p>
-        </p:txBody>
-      </p:sp>
-      <p:sp>
-        <p:nvSpPr>
-          <p:cNvPr id="8" name="TextBox 7"/>
-          <p:cNvSpPr txBox="1"/>
-          <p:nvPr/>
-        </p:nvSpPr>
-        <p:spPr>
-          <a:xfrm>
-            <a:off x="8981893" y="5902358"/>
-            <a:ext cx="1826141" cy="369332"/>
-          </a:xfrm>
-          <a:prstGeom prst="rect">
-            <a:avLst/>
-          </a:prstGeom>
-          <a:noFill/>
-        </p:spPr>
-        <p:txBody>
-          <a:bodyPr wrap="none" rtlCol="0">
-            <a:spAutoFit/>
-          </a:bodyPr>
-          <a:lstStyle/>
-          <a:p>
-            <a:r>
-              <a:rPr lang="en-US" altLang="ko-KR" dirty="0" smtClean="0">
-                <a:latin typeface="+mj-ea"/>
-                <a:ea typeface="+mj-ea"/>
-              </a:rPr>
-              <a:t>&lt; </a:t>
-            </a:r>
-            <a:r>
-              <a:rPr lang="ko-KR" altLang="en-US" dirty="0" err="1" smtClean="0">
-                <a:latin typeface="+mj-ea"/>
-                <a:ea typeface="+mj-ea"/>
-              </a:rPr>
-              <a:t>모바일</a:t>
-            </a:r>
-            <a:r>
-              <a:rPr lang="en-US" altLang="ko-KR" dirty="0" smtClean="0">
-                <a:latin typeface="+mj-ea"/>
-                <a:ea typeface="+mj-ea"/>
-              </a:rPr>
-              <a:t> </a:t>
-            </a:r>
-            <a:r>
-              <a:rPr lang="ko-KR" altLang="en-US" dirty="0" smtClean="0">
-                <a:latin typeface="+mj-ea"/>
-                <a:ea typeface="+mj-ea"/>
-              </a:rPr>
-              <a:t>화면</a:t>
-            </a:r>
-            <a:r>
-              <a:rPr lang="en-US" altLang="ko-KR" dirty="0" smtClean="0">
-                <a:latin typeface="+mj-ea"/>
-                <a:ea typeface="+mj-ea"/>
-              </a:rPr>
-              <a:t>&gt;</a:t>
-            </a:r>
-            <a:endParaRPr lang="ko-KR" altLang="en-US" dirty="0">
-              <a:latin typeface="+mj-ea"/>
-              <a:ea typeface="+mj-ea"/>
-            </a:endParaRPr>
-          </a:p>
-        </p:txBody>
-      </p:sp>
-      <p:pic>
-        <p:nvPicPr>
-          <p:cNvPr id="5" name="그림 4"/>
-          <p:cNvPicPr>
-            <a:picLocks noChangeAspect="1"/>
-          </p:cNvPicPr>
-          <p:nvPr/>
-        </p:nvPicPr>
-        <p:blipFill>
-          <a:blip r:embed="rId2"/>
-          <a:stretch>
-            <a:fillRect/>
-          </a:stretch>
-        </p:blipFill>
-        <p:spPr>
-          <a:xfrm>
-            <a:off x="8290914" y="1160584"/>
-            <a:ext cx="3208100" cy="4413529"/>
-          </a:xfrm>
-          <a:prstGeom prst="rect">
-            <a:avLst/>
-          </a:prstGeom>
-        </p:spPr>
-      </p:pic>
-      <p:pic>
-        <p:nvPicPr>
-          <p:cNvPr id="6" name="그림 5"/>
-          <p:cNvPicPr>
-            <a:picLocks noChangeAspect="1"/>
-          </p:cNvPicPr>
-          <p:nvPr/>
-        </p:nvPicPr>
-        <p:blipFill>
-          <a:blip r:embed="rId3"/>
-          <a:stretch>
-            <a:fillRect/>
-          </a:stretch>
-        </p:blipFill>
-        <p:spPr>
-          <a:xfrm>
-            <a:off x="242465" y="2024743"/>
-            <a:ext cx="6863620" cy="2306097"/>
+            <a:off x="5593654" y="2182871"/>
+            <a:ext cx="6020640" cy="3115110"/>
           </a:xfrm>
           <a:prstGeom prst="rect">
             <a:avLst/>
@@ -4276,7 +3752,7 @@
 </p:sld>
 </file>
 
-<file path=ppt/slides/slide7.xml><?xml version="1.0" encoding="utf-8"?>
+<file path=ppt/slides/slide5.xml><?xml version="1.0" encoding="utf-8"?>
 <p:sld xmlns:a="http://schemas.openxmlformats.org/drawingml/2006/main" xmlns:r="http://schemas.openxmlformats.org/officeDocument/2006/relationships" xmlns:p="http://schemas.openxmlformats.org/presentationml/2006/main">
   <p:cSld>
     <p:spTree>
